--- a/Wakefields_and_Impedances/figures/impedance-des.pptx
+++ b/Wakefields_and_Impedances/figures/impedance-des.pptx
@@ -288,7 +288,7 @@
           <a:p>
             <a:fld id="{C098B822-DA1A-4625-B35E-D59F49EAC2BF}" type="datetimeFigureOut">
               <a:rPr lang="en-GB" smtClean="0"/>
-              <a:t>07/02/2013</a:t>
+              <a:t>05/03/2013</a:t>
             </a:fld>
             <a:endParaRPr lang="en-GB"/>
           </a:p>
@@ -458,7 +458,7 @@
           <a:p>
             <a:fld id="{C098B822-DA1A-4625-B35E-D59F49EAC2BF}" type="datetimeFigureOut">
               <a:rPr lang="en-GB" smtClean="0"/>
-              <a:t>07/02/2013</a:t>
+              <a:t>05/03/2013</a:t>
             </a:fld>
             <a:endParaRPr lang="en-GB"/>
           </a:p>
@@ -638,7 +638,7 @@
           <a:p>
             <a:fld id="{C098B822-DA1A-4625-B35E-D59F49EAC2BF}" type="datetimeFigureOut">
               <a:rPr lang="en-GB" smtClean="0"/>
-              <a:t>07/02/2013</a:t>
+              <a:t>05/03/2013</a:t>
             </a:fld>
             <a:endParaRPr lang="en-GB"/>
           </a:p>
@@ -808,7 +808,7 @@
           <a:p>
             <a:fld id="{C098B822-DA1A-4625-B35E-D59F49EAC2BF}" type="datetimeFigureOut">
               <a:rPr lang="en-GB" smtClean="0"/>
-              <a:t>07/02/2013</a:t>
+              <a:t>05/03/2013</a:t>
             </a:fld>
             <a:endParaRPr lang="en-GB"/>
           </a:p>
@@ -1054,7 +1054,7 @@
           <a:p>
             <a:fld id="{C098B822-DA1A-4625-B35E-D59F49EAC2BF}" type="datetimeFigureOut">
               <a:rPr lang="en-GB" smtClean="0"/>
-              <a:t>07/02/2013</a:t>
+              <a:t>05/03/2013</a:t>
             </a:fld>
             <a:endParaRPr lang="en-GB"/>
           </a:p>
@@ -1342,7 +1342,7 @@
           <a:p>
             <a:fld id="{C098B822-DA1A-4625-B35E-D59F49EAC2BF}" type="datetimeFigureOut">
               <a:rPr lang="en-GB" smtClean="0"/>
-              <a:t>07/02/2013</a:t>
+              <a:t>05/03/2013</a:t>
             </a:fld>
             <a:endParaRPr lang="en-GB"/>
           </a:p>
@@ -1764,7 +1764,7 @@
           <a:p>
             <a:fld id="{C098B822-DA1A-4625-B35E-D59F49EAC2BF}" type="datetimeFigureOut">
               <a:rPr lang="en-GB" smtClean="0"/>
-              <a:t>07/02/2013</a:t>
+              <a:t>05/03/2013</a:t>
             </a:fld>
             <a:endParaRPr lang="en-GB"/>
           </a:p>
@@ -1882,7 +1882,7 @@
           <a:p>
             <a:fld id="{C098B822-DA1A-4625-B35E-D59F49EAC2BF}" type="datetimeFigureOut">
               <a:rPr lang="en-GB" smtClean="0"/>
-              <a:t>07/02/2013</a:t>
+              <a:t>05/03/2013</a:t>
             </a:fld>
             <a:endParaRPr lang="en-GB"/>
           </a:p>
@@ -1977,7 +1977,7 @@
           <a:p>
             <a:fld id="{C098B822-DA1A-4625-B35E-D59F49EAC2BF}" type="datetimeFigureOut">
               <a:rPr lang="en-GB" smtClean="0"/>
-              <a:t>07/02/2013</a:t>
+              <a:t>05/03/2013</a:t>
             </a:fld>
             <a:endParaRPr lang="en-GB"/>
           </a:p>
@@ -2254,7 +2254,7 @@
           <a:p>
             <a:fld id="{C098B822-DA1A-4625-B35E-D59F49EAC2BF}" type="datetimeFigureOut">
               <a:rPr lang="en-GB" smtClean="0"/>
-              <a:t>07/02/2013</a:t>
+              <a:t>05/03/2013</a:t>
             </a:fld>
             <a:endParaRPr lang="en-GB"/>
           </a:p>
@@ -2507,7 +2507,7 @@
           <a:p>
             <a:fld id="{C098B822-DA1A-4625-B35E-D59F49EAC2BF}" type="datetimeFigureOut">
               <a:rPr lang="en-GB" smtClean="0"/>
-              <a:t>07/02/2013</a:t>
+              <a:t>05/03/2013</a:t>
             </a:fld>
             <a:endParaRPr lang="en-GB"/>
           </a:p>
@@ -2720,7 +2720,7 @@
           <a:p>
             <a:fld id="{C098B822-DA1A-4625-B35E-D59F49EAC2BF}" type="datetimeFigureOut">
               <a:rPr lang="en-GB" smtClean="0"/>
-              <a:t>07/02/2013</a:t>
+              <a:t>05/03/2013</a:t>
             </a:fld>
             <a:endParaRPr lang="en-GB"/>
           </a:p>
@@ -3675,7 +3675,7 @@
         </p:nvSpPr>
         <p:spPr>
           <a:xfrm>
-            <a:off x="6370943" y="398503"/>
+            <a:off x="6370943" y="722539"/>
             <a:ext cx="144016" cy="144016"/>
           </a:xfrm>
           <a:prstGeom prst="ellipse">
@@ -3723,7 +3723,7 @@
         </p:nvSpPr>
         <p:spPr>
           <a:xfrm>
-            <a:off x="6372200" y="722539"/>
+            <a:off x="6370943" y="403001"/>
             <a:ext cx="144016" cy="144016"/>
           </a:xfrm>
           <a:prstGeom prst="ellipse">
